--- a/ppt 16-9/1260.我愿做个好小.pptx
+++ b/ppt 16-9/1260.我愿做个好小.pptx
@@ -129,7 +129,7 @@
           <p:cNvPr id="2" name="标题 1">
             <a:extLst>
               <a:ext uri="{FF2B5EF4-FFF2-40B4-BE49-F238E27FC236}">
-                <a16:creationId xmlns:a16="http://schemas.microsoft.com/office/drawing/2014/main" id="{6B92C1CF-692F-E932-D078-D2049D0604D4}"/>
+                <a16:creationId xmlns:a16="http://schemas.microsoft.com/office/drawing/2014/main" id="{A59240B3-600F-0A55-0EC6-B241B138D409}"/>
               </a:ext>
             </a:extLst>
           </p:cNvPr>
@@ -166,7 +166,7 @@
           <p:cNvPr id="3" name="副标题 2">
             <a:extLst>
               <a:ext uri="{FF2B5EF4-FFF2-40B4-BE49-F238E27FC236}">
-                <a16:creationId xmlns:a16="http://schemas.microsoft.com/office/drawing/2014/main" id="{270D50AD-EF5E-9DED-9B1E-880E5FAD19E3}"/>
+                <a16:creationId xmlns:a16="http://schemas.microsoft.com/office/drawing/2014/main" id="{5D9F7C23-42BB-36F0-2C83-84A130610DC2}"/>
               </a:ext>
             </a:extLst>
           </p:cNvPr>
@@ -236,7 +236,7 @@
           <p:cNvPr id="4" name="日期占位符 3">
             <a:extLst>
               <a:ext uri="{FF2B5EF4-FFF2-40B4-BE49-F238E27FC236}">
-                <a16:creationId xmlns:a16="http://schemas.microsoft.com/office/drawing/2014/main" id="{1D53AAFF-FF25-6A7A-64BD-53BFE7F51D40}"/>
+                <a16:creationId xmlns:a16="http://schemas.microsoft.com/office/drawing/2014/main" id="{F1E14A76-5DC2-26DB-D943-DEEEEF846B13}"/>
               </a:ext>
             </a:extLst>
           </p:cNvPr>
@@ -252,7 +252,7 @@
           <a:bodyPr/>
           <a:lstStyle/>
           <a:p>
-            <a:fld id="{E5DB52A3-FC61-4907-A541-926B6FCB0EB7}" type="datetimeFigureOut">
+            <a:fld id="{D5CB6B0D-4ED3-4F16-B22A-2CD62B459D01}" type="datetimeFigureOut">
               <a:rPr lang="zh-CN" altLang="en-US" smtClean="0"/>
               <a:t>2024/3/10</a:t>
             </a:fld>
@@ -265,7 +265,7 @@
           <p:cNvPr id="5" name="页脚占位符 4">
             <a:extLst>
               <a:ext uri="{FF2B5EF4-FFF2-40B4-BE49-F238E27FC236}">
-                <a16:creationId xmlns:a16="http://schemas.microsoft.com/office/drawing/2014/main" id="{6F27B3CC-09C1-EC1B-79B3-7716EE56B43A}"/>
+                <a16:creationId xmlns:a16="http://schemas.microsoft.com/office/drawing/2014/main" id="{32F512B0-4357-6AA0-46E0-6D7D5CC671E8}"/>
               </a:ext>
             </a:extLst>
           </p:cNvPr>
@@ -290,7 +290,7 @@
           <p:cNvPr id="6" name="灯片编号占位符 5">
             <a:extLst>
               <a:ext uri="{FF2B5EF4-FFF2-40B4-BE49-F238E27FC236}">
-                <a16:creationId xmlns:a16="http://schemas.microsoft.com/office/drawing/2014/main" id="{0631D7A0-82D4-017D-E1C8-3977D9FE017C}"/>
+                <a16:creationId xmlns:a16="http://schemas.microsoft.com/office/drawing/2014/main" id="{F3AE1950-57D0-C0B8-F0F2-2937B148E865}"/>
               </a:ext>
             </a:extLst>
           </p:cNvPr>
@@ -306,7 +306,7 @@
           <a:bodyPr/>
           <a:lstStyle/>
           <a:p>
-            <a:fld id="{3F272D46-8064-4C3B-83F3-1612F9FBD53D}" type="slidenum">
+            <a:fld id="{79AED00C-D231-4997-89A3-A3BDFCCE86C0}" type="slidenum">
               <a:rPr lang="zh-CN" altLang="en-US" smtClean="0"/>
               <a:t>‹#›</a:t>
             </a:fld>
@@ -317,7 +317,7 @@
     </p:spTree>
     <p:extLst>
       <p:ext uri="{BB962C8B-B14F-4D97-AF65-F5344CB8AC3E}">
-        <p14:creationId xmlns:p14="http://schemas.microsoft.com/office/powerpoint/2010/main" val="3541186297"/>
+        <p14:creationId xmlns:p14="http://schemas.microsoft.com/office/powerpoint/2010/main" val="3254356726"/>
       </p:ext>
     </p:extLst>
   </p:cSld>
@@ -349,7 +349,7 @@
           <p:cNvPr id="2" name="标题 1">
             <a:extLst>
               <a:ext uri="{FF2B5EF4-FFF2-40B4-BE49-F238E27FC236}">
-                <a16:creationId xmlns:a16="http://schemas.microsoft.com/office/drawing/2014/main" id="{2BD34E26-93A4-209D-28C9-5DB0CA0972A9}"/>
+                <a16:creationId xmlns:a16="http://schemas.microsoft.com/office/drawing/2014/main" id="{8505CD15-47D9-46DE-4887-C1667B4823D9}"/>
               </a:ext>
             </a:extLst>
           </p:cNvPr>
@@ -377,7 +377,7 @@
           <p:cNvPr id="3" name="竖排文字占位符 2">
             <a:extLst>
               <a:ext uri="{FF2B5EF4-FFF2-40B4-BE49-F238E27FC236}">
-                <a16:creationId xmlns:a16="http://schemas.microsoft.com/office/drawing/2014/main" id="{1356BE72-F4EA-B7DE-3B37-3C505DA7A9E0}"/>
+                <a16:creationId xmlns:a16="http://schemas.microsoft.com/office/drawing/2014/main" id="{620D3914-D836-82AB-6CC4-6B62D8D88540}"/>
               </a:ext>
             </a:extLst>
           </p:cNvPr>
@@ -434,7 +434,7 @@
           <p:cNvPr id="4" name="日期占位符 3">
             <a:extLst>
               <a:ext uri="{FF2B5EF4-FFF2-40B4-BE49-F238E27FC236}">
-                <a16:creationId xmlns:a16="http://schemas.microsoft.com/office/drawing/2014/main" id="{345DC5C6-E6C4-6386-40B9-FD2663BFA929}"/>
+                <a16:creationId xmlns:a16="http://schemas.microsoft.com/office/drawing/2014/main" id="{055F0732-7D32-7C8E-B9FC-420A540FC053}"/>
               </a:ext>
             </a:extLst>
           </p:cNvPr>
@@ -450,7 +450,7 @@
           <a:bodyPr/>
           <a:lstStyle/>
           <a:p>
-            <a:fld id="{E5DB52A3-FC61-4907-A541-926B6FCB0EB7}" type="datetimeFigureOut">
+            <a:fld id="{D5CB6B0D-4ED3-4F16-B22A-2CD62B459D01}" type="datetimeFigureOut">
               <a:rPr lang="zh-CN" altLang="en-US" smtClean="0"/>
               <a:t>2024/3/10</a:t>
             </a:fld>
@@ -463,7 +463,7 @@
           <p:cNvPr id="5" name="页脚占位符 4">
             <a:extLst>
               <a:ext uri="{FF2B5EF4-FFF2-40B4-BE49-F238E27FC236}">
-                <a16:creationId xmlns:a16="http://schemas.microsoft.com/office/drawing/2014/main" id="{261CA5E0-95E9-0622-0AA4-CA07DFC1F742}"/>
+                <a16:creationId xmlns:a16="http://schemas.microsoft.com/office/drawing/2014/main" id="{C2B1FED0-F9A8-77CC-066A-3A5DC3187C6B}"/>
               </a:ext>
             </a:extLst>
           </p:cNvPr>
@@ -488,7 +488,7 @@
           <p:cNvPr id="6" name="灯片编号占位符 5">
             <a:extLst>
               <a:ext uri="{FF2B5EF4-FFF2-40B4-BE49-F238E27FC236}">
-                <a16:creationId xmlns:a16="http://schemas.microsoft.com/office/drawing/2014/main" id="{76F4AFFA-D218-AE15-FB07-AD7E3AA5AA87}"/>
+                <a16:creationId xmlns:a16="http://schemas.microsoft.com/office/drawing/2014/main" id="{6373F701-7537-811D-D148-159ED107B8A0}"/>
               </a:ext>
             </a:extLst>
           </p:cNvPr>
@@ -504,7 +504,7 @@
           <a:bodyPr/>
           <a:lstStyle/>
           <a:p>
-            <a:fld id="{3F272D46-8064-4C3B-83F3-1612F9FBD53D}" type="slidenum">
+            <a:fld id="{79AED00C-D231-4997-89A3-A3BDFCCE86C0}" type="slidenum">
               <a:rPr lang="zh-CN" altLang="en-US" smtClean="0"/>
               <a:t>‹#›</a:t>
             </a:fld>
@@ -515,7 +515,7 @@
     </p:spTree>
     <p:extLst>
       <p:ext uri="{BB962C8B-B14F-4D97-AF65-F5344CB8AC3E}">
-        <p14:creationId xmlns:p14="http://schemas.microsoft.com/office/powerpoint/2010/main" val="1564874560"/>
+        <p14:creationId xmlns:p14="http://schemas.microsoft.com/office/powerpoint/2010/main" val="2494794121"/>
       </p:ext>
     </p:extLst>
   </p:cSld>
@@ -547,7 +547,7 @@
           <p:cNvPr id="2" name="竖排标题 1">
             <a:extLst>
               <a:ext uri="{FF2B5EF4-FFF2-40B4-BE49-F238E27FC236}">
-                <a16:creationId xmlns:a16="http://schemas.microsoft.com/office/drawing/2014/main" id="{2E777E7F-3D10-F922-2ABD-58A5131D1FAE}"/>
+                <a16:creationId xmlns:a16="http://schemas.microsoft.com/office/drawing/2014/main" id="{466F2056-FB42-171E-2F9E-A6CA1901DFF4}"/>
               </a:ext>
             </a:extLst>
           </p:cNvPr>
@@ -580,7 +580,7 @@
           <p:cNvPr id="3" name="竖排文字占位符 2">
             <a:extLst>
               <a:ext uri="{FF2B5EF4-FFF2-40B4-BE49-F238E27FC236}">
-                <a16:creationId xmlns:a16="http://schemas.microsoft.com/office/drawing/2014/main" id="{14318FF1-C719-37C6-A481-5C7D81D2932C}"/>
+                <a16:creationId xmlns:a16="http://schemas.microsoft.com/office/drawing/2014/main" id="{D50EF492-C3EB-FF32-C2B4-74D68EA13D58}"/>
               </a:ext>
             </a:extLst>
           </p:cNvPr>
@@ -642,7 +642,7 @@
           <p:cNvPr id="4" name="日期占位符 3">
             <a:extLst>
               <a:ext uri="{FF2B5EF4-FFF2-40B4-BE49-F238E27FC236}">
-                <a16:creationId xmlns:a16="http://schemas.microsoft.com/office/drawing/2014/main" id="{9E36AFB1-C896-4A24-E63C-CD85EFDEFA0D}"/>
+                <a16:creationId xmlns:a16="http://schemas.microsoft.com/office/drawing/2014/main" id="{3BD60E23-761C-39D2-0F4D-9B252678C255}"/>
               </a:ext>
             </a:extLst>
           </p:cNvPr>
@@ -658,7 +658,7 @@
           <a:bodyPr/>
           <a:lstStyle/>
           <a:p>
-            <a:fld id="{E5DB52A3-FC61-4907-A541-926B6FCB0EB7}" type="datetimeFigureOut">
+            <a:fld id="{D5CB6B0D-4ED3-4F16-B22A-2CD62B459D01}" type="datetimeFigureOut">
               <a:rPr lang="zh-CN" altLang="en-US" smtClean="0"/>
               <a:t>2024/3/10</a:t>
             </a:fld>
@@ -671,7 +671,7 @@
           <p:cNvPr id="5" name="页脚占位符 4">
             <a:extLst>
               <a:ext uri="{FF2B5EF4-FFF2-40B4-BE49-F238E27FC236}">
-                <a16:creationId xmlns:a16="http://schemas.microsoft.com/office/drawing/2014/main" id="{83EC1C6C-CBDB-9E60-A34E-2D4820BC5564}"/>
+                <a16:creationId xmlns:a16="http://schemas.microsoft.com/office/drawing/2014/main" id="{E8664A37-5087-4742-2401-FA11230F8304}"/>
               </a:ext>
             </a:extLst>
           </p:cNvPr>
@@ -696,7 +696,7 @@
           <p:cNvPr id="6" name="灯片编号占位符 5">
             <a:extLst>
               <a:ext uri="{FF2B5EF4-FFF2-40B4-BE49-F238E27FC236}">
-                <a16:creationId xmlns:a16="http://schemas.microsoft.com/office/drawing/2014/main" id="{B5BBA080-E379-95DD-C581-C33C9301A982}"/>
+                <a16:creationId xmlns:a16="http://schemas.microsoft.com/office/drawing/2014/main" id="{E9FAA88A-F99E-1058-1528-F93C0CE16671}"/>
               </a:ext>
             </a:extLst>
           </p:cNvPr>
@@ -712,7 +712,7 @@
           <a:bodyPr/>
           <a:lstStyle/>
           <a:p>
-            <a:fld id="{3F272D46-8064-4C3B-83F3-1612F9FBD53D}" type="slidenum">
+            <a:fld id="{79AED00C-D231-4997-89A3-A3BDFCCE86C0}" type="slidenum">
               <a:rPr lang="zh-CN" altLang="en-US" smtClean="0"/>
               <a:t>‹#›</a:t>
             </a:fld>
@@ -723,7 +723,7 @@
     </p:spTree>
     <p:extLst>
       <p:ext uri="{BB962C8B-B14F-4D97-AF65-F5344CB8AC3E}">
-        <p14:creationId xmlns:p14="http://schemas.microsoft.com/office/powerpoint/2010/main" val="3750348551"/>
+        <p14:creationId xmlns:p14="http://schemas.microsoft.com/office/powerpoint/2010/main" val="1024728375"/>
       </p:ext>
     </p:extLst>
   </p:cSld>
@@ -755,7 +755,7 @@
           <p:cNvPr id="2" name="标题 1">
             <a:extLst>
               <a:ext uri="{FF2B5EF4-FFF2-40B4-BE49-F238E27FC236}">
-                <a16:creationId xmlns:a16="http://schemas.microsoft.com/office/drawing/2014/main" id="{131AC483-7138-885A-91B6-C06E58135B61}"/>
+                <a16:creationId xmlns:a16="http://schemas.microsoft.com/office/drawing/2014/main" id="{91FED542-C802-F3A0-3A84-E393FF3EDC65}"/>
               </a:ext>
             </a:extLst>
           </p:cNvPr>
@@ -783,7 +783,7 @@
           <p:cNvPr id="3" name="内容占位符 2">
             <a:extLst>
               <a:ext uri="{FF2B5EF4-FFF2-40B4-BE49-F238E27FC236}">
-                <a16:creationId xmlns:a16="http://schemas.microsoft.com/office/drawing/2014/main" id="{87E0FAD2-B87E-3721-1DF9-841C4E8DECD4}"/>
+                <a16:creationId xmlns:a16="http://schemas.microsoft.com/office/drawing/2014/main" id="{8F319323-916F-1FB2-3CA4-B46232356F8A}"/>
               </a:ext>
             </a:extLst>
           </p:cNvPr>
@@ -840,7 +840,7 @@
           <p:cNvPr id="4" name="日期占位符 3">
             <a:extLst>
               <a:ext uri="{FF2B5EF4-FFF2-40B4-BE49-F238E27FC236}">
-                <a16:creationId xmlns:a16="http://schemas.microsoft.com/office/drawing/2014/main" id="{676A057E-7EA1-9D11-371A-3BF2B00B85B3}"/>
+                <a16:creationId xmlns:a16="http://schemas.microsoft.com/office/drawing/2014/main" id="{B86AA1C8-9C3E-FD6B-22EE-AAFCC28FC0A9}"/>
               </a:ext>
             </a:extLst>
           </p:cNvPr>
@@ -856,7 +856,7 @@
           <a:bodyPr/>
           <a:lstStyle/>
           <a:p>
-            <a:fld id="{E5DB52A3-FC61-4907-A541-926B6FCB0EB7}" type="datetimeFigureOut">
+            <a:fld id="{D5CB6B0D-4ED3-4F16-B22A-2CD62B459D01}" type="datetimeFigureOut">
               <a:rPr lang="zh-CN" altLang="en-US" smtClean="0"/>
               <a:t>2024/3/10</a:t>
             </a:fld>
@@ -869,7 +869,7 @@
           <p:cNvPr id="5" name="页脚占位符 4">
             <a:extLst>
               <a:ext uri="{FF2B5EF4-FFF2-40B4-BE49-F238E27FC236}">
-                <a16:creationId xmlns:a16="http://schemas.microsoft.com/office/drawing/2014/main" id="{B0BEEC39-BF1F-A7AD-BCB4-07456760E83A}"/>
+                <a16:creationId xmlns:a16="http://schemas.microsoft.com/office/drawing/2014/main" id="{DC978AD4-FBD2-352C-D394-D2BF1A622A3D}"/>
               </a:ext>
             </a:extLst>
           </p:cNvPr>
@@ -894,7 +894,7 @@
           <p:cNvPr id="6" name="灯片编号占位符 5">
             <a:extLst>
               <a:ext uri="{FF2B5EF4-FFF2-40B4-BE49-F238E27FC236}">
-                <a16:creationId xmlns:a16="http://schemas.microsoft.com/office/drawing/2014/main" id="{BCF22493-F0F1-9B2F-ACEE-A10533DFEB38}"/>
+                <a16:creationId xmlns:a16="http://schemas.microsoft.com/office/drawing/2014/main" id="{A1132891-720F-25CD-532F-854E0A66E0E1}"/>
               </a:ext>
             </a:extLst>
           </p:cNvPr>
@@ -910,7 +910,7 @@
           <a:bodyPr/>
           <a:lstStyle/>
           <a:p>
-            <a:fld id="{3F272D46-8064-4C3B-83F3-1612F9FBD53D}" type="slidenum">
+            <a:fld id="{79AED00C-D231-4997-89A3-A3BDFCCE86C0}" type="slidenum">
               <a:rPr lang="zh-CN" altLang="en-US" smtClean="0"/>
               <a:t>‹#›</a:t>
             </a:fld>
@@ -921,7 +921,7 @@
     </p:spTree>
     <p:extLst>
       <p:ext uri="{BB962C8B-B14F-4D97-AF65-F5344CB8AC3E}">
-        <p14:creationId xmlns:p14="http://schemas.microsoft.com/office/powerpoint/2010/main" val="109287519"/>
+        <p14:creationId xmlns:p14="http://schemas.microsoft.com/office/powerpoint/2010/main" val="2394424797"/>
       </p:ext>
     </p:extLst>
   </p:cSld>
@@ -953,7 +953,7 @@
           <p:cNvPr id="2" name="标题 1">
             <a:extLst>
               <a:ext uri="{FF2B5EF4-FFF2-40B4-BE49-F238E27FC236}">
-                <a16:creationId xmlns:a16="http://schemas.microsoft.com/office/drawing/2014/main" id="{A487F47B-9368-3526-530F-544BFB3FE4AE}"/>
+                <a16:creationId xmlns:a16="http://schemas.microsoft.com/office/drawing/2014/main" id="{52B934BD-9D46-4D69-5D77-A1959707FA29}"/>
               </a:ext>
             </a:extLst>
           </p:cNvPr>
@@ -990,7 +990,7 @@
           <p:cNvPr id="3" name="文本占位符 2">
             <a:extLst>
               <a:ext uri="{FF2B5EF4-FFF2-40B4-BE49-F238E27FC236}">
-                <a16:creationId xmlns:a16="http://schemas.microsoft.com/office/drawing/2014/main" id="{FE9AD4F4-6FD2-C787-B883-A6F495106BC3}"/>
+                <a16:creationId xmlns:a16="http://schemas.microsoft.com/office/drawing/2014/main" id="{686BA15C-2C7E-17FB-855F-942A0B021630}"/>
               </a:ext>
             </a:extLst>
           </p:cNvPr>
@@ -1115,7 +1115,7 @@
           <p:cNvPr id="4" name="日期占位符 3">
             <a:extLst>
               <a:ext uri="{FF2B5EF4-FFF2-40B4-BE49-F238E27FC236}">
-                <a16:creationId xmlns:a16="http://schemas.microsoft.com/office/drawing/2014/main" id="{BE1A1CE4-2EF2-2276-8DEC-2FBB5EB6277C}"/>
+                <a16:creationId xmlns:a16="http://schemas.microsoft.com/office/drawing/2014/main" id="{1875FA04-25C8-AB70-046C-F468C15F441C}"/>
               </a:ext>
             </a:extLst>
           </p:cNvPr>
@@ -1131,7 +1131,7 @@
           <a:bodyPr/>
           <a:lstStyle/>
           <a:p>
-            <a:fld id="{E5DB52A3-FC61-4907-A541-926B6FCB0EB7}" type="datetimeFigureOut">
+            <a:fld id="{D5CB6B0D-4ED3-4F16-B22A-2CD62B459D01}" type="datetimeFigureOut">
               <a:rPr lang="zh-CN" altLang="en-US" smtClean="0"/>
               <a:t>2024/3/10</a:t>
             </a:fld>
@@ -1144,7 +1144,7 @@
           <p:cNvPr id="5" name="页脚占位符 4">
             <a:extLst>
               <a:ext uri="{FF2B5EF4-FFF2-40B4-BE49-F238E27FC236}">
-                <a16:creationId xmlns:a16="http://schemas.microsoft.com/office/drawing/2014/main" id="{F178BE26-A016-B180-0695-3AD745D9BA4D}"/>
+                <a16:creationId xmlns:a16="http://schemas.microsoft.com/office/drawing/2014/main" id="{B0AA5562-8809-DACF-319E-0BFDF9ABD350}"/>
               </a:ext>
             </a:extLst>
           </p:cNvPr>
@@ -1169,7 +1169,7 @@
           <p:cNvPr id="6" name="灯片编号占位符 5">
             <a:extLst>
               <a:ext uri="{FF2B5EF4-FFF2-40B4-BE49-F238E27FC236}">
-                <a16:creationId xmlns:a16="http://schemas.microsoft.com/office/drawing/2014/main" id="{CFC19A15-9EA4-D422-A107-E6103C2288AB}"/>
+                <a16:creationId xmlns:a16="http://schemas.microsoft.com/office/drawing/2014/main" id="{3BAE3D15-C515-A6D8-2336-E4DABD9E7E0C}"/>
               </a:ext>
             </a:extLst>
           </p:cNvPr>
@@ -1185,7 +1185,7 @@
           <a:bodyPr/>
           <a:lstStyle/>
           <a:p>
-            <a:fld id="{3F272D46-8064-4C3B-83F3-1612F9FBD53D}" type="slidenum">
+            <a:fld id="{79AED00C-D231-4997-89A3-A3BDFCCE86C0}" type="slidenum">
               <a:rPr lang="zh-CN" altLang="en-US" smtClean="0"/>
               <a:t>‹#›</a:t>
             </a:fld>
@@ -1196,7 +1196,7 @@
     </p:spTree>
     <p:extLst>
       <p:ext uri="{BB962C8B-B14F-4D97-AF65-F5344CB8AC3E}">
-        <p14:creationId xmlns:p14="http://schemas.microsoft.com/office/powerpoint/2010/main" val="3226878382"/>
+        <p14:creationId xmlns:p14="http://schemas.microsoft.com/office/powerpoint/2010/main" val="1602790194"/>
       </p:ext>
     </p:extLst>
   </p:cSld>
@@ -1228,7 +1228,7 @@
           <p:cNvPr id="2" name="标题 1">
             <a:extLst>
               <a:ext uri="{FF2B5EF4-FFF2-40B4-BE49-F238E27FC236}">
-                <a16:creationId xmlns:a16="http://schemas.microsoft.com/office/drawing/2014/main" id="{837315CD-4A69-E6E5-ECB5-EBDC4EE2C7D7}"/>
+                <a16:creationId xmlns:a16="http://schemas.microsoft.com/office/drawing/2014/main" id="{5DACB07A-A507-A91A-6094-4A039E86F295}"/>
               </a:ext>
             </a:extLst>
           </p:cNvPr>
@@ -1256,7 +1256,7 @@
           <p:cNvPr id="3" name="内容占位符 2">
             <a:extLst>
               <a:ext uri="{FF2B5EF4-FFF2-40B4-BE49-F238E27FC236}">
-                <a16:creationId xmlns:a16="http://schemas.microsoft.com/office/drawing/2014/main" id="{B5B3A3B0-20E6-DDD4-5593-AAB8CB601CD3}"/>
+                <a16:creationId xmlns:a16="http://schemas.microsoft.com/office/drawing/2014/main" id="{76D57FAE-84A3-9D46-C597-41B0AF7B6592}"/>
               </a:ext>
             </a:extLst>
           </p:cNvPr>
@@ -1318,7 +1318,7 @@
           <p:cNvPr id="4" name="内容占位符 3">
             <a:extLst>
               <a:ext uri="{FF2B5EF4-FFF2-40B4-BE49-F238E27FC236}">
-                <a16:creationId xmlns:a16="http://schemas.microsoft.com/office/drawing/2014/main" id="{EA37CF14-8868-D87F-7941-4FAA0420005D}"/>
+                <a16:creationId xmlns:a16="http://schemas.microsoft.com/office/drawing/2014/main" id="{2109F191-B6E1-0E11-B7CB-0220CB3C9384}"/>
               </a:ext>
             </a:extLst>
           </p:cNvPr>
@@ -1380,7 +1380,7 @@
           <p:cNvPr id="5" name="日期占位符 4">
             <a:extLst>
               <a:ext uri="{FF2B5EF4-FFF2-40B4-BE49-F238E27FC236}">
-                <a16:creationId xmlns:a16="http://schemas.microsoft.com/office/drawing/2014/main" id="{DD26E702-3A19-5F46-3DDA-57D6B0B4965C}"/>
+                <a16:creationId xmlns:a16="http://schemas.microsoft.com/office/drawing/2014/main" id="{56D788EB-8709-9567-FB89-1DA96155133F}"/>
               </a:ext>
             </a:extLst>
           </p:cNvPr>
@@ -1396,7 +1396,7 @@
           <a:bodyPr/>
           <a:lstStyle/>
           <a:p>
-            <a:fld id="{E5DB52A3-FC61-4907-A541-926B6FCB0EB7}" type="datetimeFigureOut">
+            <a:fld id="{D5CB6B0D-4ED3-4F16-B22A-2CD62B459D01}" type="datetimeFigureOut">
               <a:rPr lang="zh-CN" altLang="en-US" smtClean="0"/>
               <a:t>2024/3/10</a:t>
             </a:fld>
@@ -1409,7 +1409,7 @@
           <p:cNvPr id="6" name="页脚占位符 5">
             <a:extLst>
               <a:ext uri="{FF2B5EF4-FFF2-40B4-BE49-F238E27FC236}">
-                <a16:creationId xmlns:a16="http://schemas.microsoft.com/office/drawing/2014/main" id="{91E556EB-B94D-088B-EFCE-9F6890C48857}"/>
+                <a16:creationId xmlns:a16="http://schemas.microsoft.com/office/drawing/2014/main" id="{113653A5-5576-E93B-2A9E-43A7895C41B6}"/>
               </a:ext>
             </a:extLst>
           </p:cNvPr>
@@ -1434,7 +1434,7 @@
           <p:cNvPr id="7" name="灯片编号占位符 6">
             <a:extLst>
               <a:ext uri="{FF2B5EF4-FFF2-40B4-BE49-F238E27FC236}">
-                <a16:creationId xmlns:a16="http://schemas.microsoft.com/office/drawing/2014/main" id="{89EB0BDD-7B1B-B366-E724-1CCC2F3B0E5E}"/>
+                <a16:creationId xmlns:a16="http://schemas.microsoft.com/office/drawing/2014/main" id="{EF0C433B-EDF1-4F37-ED62-D72ABC03FEE0}"/>
               </a:ext>
             </a:extLst>
           </p:cNvPr>
@@ -1450,7 +1450,7 @@
           <a:bodyPr/>
           <a:lstStyle/>
           <a:p>
-            <a:fld id="{3F272D46-8064-4C3B-83F3-1612F9FBD53D}" type="slidenum">
+            <a:fld id="{79AED00C-D231-4997-89A3-A3BDFCCE86C0}" type="slidenum">
               <a:rPr lang="zh-CN" altLang="en-US" smtClean="0"/>
               <a:t>‹#›</a:t>
             </a:fld>
@@ -1461,7 +1461,7 @@
     </p:spTree>
     <p:extLst>
       <p:ext uri="{BB962C8B-B14F-4D97-AF65-F5344CB8AC3E}">
-        <p14:creationId xmlns:p14="http://schemas.microsoft.com/office/powerpoint/2010/main" val="1209641531"/>
+        <p14:creationId xmlns:p14="http://schemas.microsoft.com/office/powerpoint/2010/main" val="1324872289"/>
       </p:ext>
     </p:extLst>
   </p:cSld>
@@ -1493,7 +1493,7 @@
           <p:cNvPr id="2" name="标题 1">
             <a:extLst>
               <a:ext uri="{FF2B5EF4-FFF2-40B4-BE49-F238E27FC236}">
-                <a16:creationId xmlns:a16="http://schemas.microsoft.com/office/drawing/2014/main" id="{E24A4D18-E713-7CC7-9B8B-1573475DF1A2}"/>
+                <a16:creationId xmlns:a16="http://schemas.microsoft.com/office/drawing/2014/main" id="{EA780A58-3151-0EDC-C1E9-CEA25216A222}"/>
               </a:ext>
             </a:extLst>
           </p:cNvPr>
@@ -1526,7 +1526,7 @@
           <p:cNvPr id="3" name="文本占位符 2">
             <a:extLst>
               <a:ext uri="{FF2B5EF4-FFF2-40B4-BE49-F238E27FC236}">
-                <a16:creationId xmlns:a16="http://schemas.microsoft.com/office/drawing/2014/main" id="{CDA90412-7071-A5DB-F9B0-62B096E45105}"/>
+                <a16:creationId xmlns:a16="http://schemas.microsoft.com/office/drawing/2014/main" id="{4CDE4593-93CE-F564-78F1-F9E50C135A57}"/>
               </a:ext>
             </a:extLst>
           </p:cNvPr>
@@ -1597,7 +1597,7 @@
           <p:cNvPr id="4" name="内容占位符 3">
             <a:extLst>
               <a:ext uri="{FF2B5EF4-FFF2-40B4-BE49-F238E27FC236}">
-                <a16:creationId xmlns:a16="http://schemas.microsoft.com/office/drawing/2014/main" id="{E71471D8-872C-98BF-8B76-29CBE2EB8ECB}"/>
+                <a16:creationId xmlns:a16="http://schemas.microsoft.com/office/drawing/2014/main" id="{6988EF14-EB9F-278D-BD92-B6CEEE8DAC56}"/>
               </a:ext>
             </a:extLst>
           </p:cNvPr>
@@ -1659,7 +1659,7 @@
           <p:cNvPr id="5" name="文本占位符 4">
             <a:extLst>
               <a:ext uri="{FF2B5EF4-FFF2-40B4-BE49-F238E27FC236}">
-                <a16:creationId xmlns:a16="http://schemas.microsoft.com/office/drawing/2014/main" id="{DDC6C7FE-0592-7222-5BBF-C6C96FE0F549}"/>
+                <a16:creationId xmlns:a16="http://schemas.microsoft.com/office/drawing/2014/main" id="{F737393A-F0D6-7C1A-A577-AAEFE03B7AF6}"/>
               </a:ext>
             </a:extLst>
           </p:cNvPr>
@@ -1730,7 +1730,7 @@
           <p:cNvPr id="6" name="内容占位符 5">
             <a:extLst>
               <a:ext uri="{FF2B5EF4-FFF2-40B4-BE49-F238E27FC236}">
-                <a16:creationId xmlns:a16="http://schemas.microsoft.com/office/drawing/2014/main" id="{FCAC278C-7B96-7D77-09E5-67E2162A1371}"/>
+                <a16:creationId xmlns:a16="http://schemas.microsoft.com/office/drawing/2014/main" id="{3253AAD5-D6F4-5A0E-7BAE-F4ECBADCFB6C}"/>
               </a:ext>
             </a:extLst>
           </p:cNvPr>
@@ -1792,7 +1792,7 @@
           <p:cNvPr id="7" name="日期占位符 6">
             <a:extLst>
               <a:ext uri="{FF2B5EF4-FFF2-40B4-BE49-F238E27FC236}">
-                <a16:creationId xmlns:a16="http://schemas.microsoft.com/office/drawing/2014/main" id="{FD502317-7919-DE75-5FD6-147BBA978CB1}"/>
+                <a16:creationId xmlns:a16="http://schemas.microsoft.com/office/drawing/2014/main" id="{92230493-C96E-2AC0-0285-3D5AF3AE2941}"/>
               </a:ext>
             </a:extLst>
           </p:cNvPr>
@@ -1808,7 +1808,7 @@
           <a:bodyPr/>
           <a:lstStyle/>
           <a:p>
-            <a:fld id="{E5DB52A3-FC61-4907-A541-926B6FCB0EB7}" type="datetimeFigureOut">
+            <a:fld id="{D5CB6B0D-4ED3-4F16-B22A-2CD62B459D01}" type="datetimeFigureOut">
               <a:rPr lang="zh-CN" altLang="en-US" smtClean="0"/>
               <a:t>2024/3/10</a:t>
             </a:fld>
@@ -1821,7 +1821,7 @@
           <p:cNvPr id="8" name="页脚占位符 7">
             <a:extLst>
               <a:ext uri="{FF2B5EF4-FFF2-40B4-BE49-F238E27FC236}">
-                <a16:creationId xmlns:a16="http://schemas.microsoft.com/office/drawing/2014/main" id="{4ADDD611-399D-C428-BF0D-80A79C2F0BAD}"/>
+                <a16:creationId xmlns:a16="http://schemas.microsoft.com/office/drawing/2014/main" id="{9A656167-19FB-6442-168F-DE00C836E71F}"/>
               </a:ext>
             </a:extLst>
           </p:cNvPr>
@@ -1846,7 +1846,7 @@
           <p:cNvPr id="9" name="灯片编号占位符 8">
             <a:extLst>
               <a:ext uri="{FF2B5EF4-FFF2-40B4-BE49-F238E27FC236}">
-                <a16:creationId xmlns:a16="http://schemas.microsoft.com/office/drawing/2014/main" id="{9D3614A4-6F3C-C942-77A6-610DA8410D4D}"/>
+                <a16:creationId xmlns:a16="http://schemas.microsoft.com/office/drawing/2014/main" id="{C352D543-71E8-5C38-199E-D49716657673}"/>
               </a:ext>
             </a:extLst>
           </p:cNvPr>
@@ -1862,7 +1862,7 @@
           <a:bodyPr/>
           <a:lstStyle/>
           <a:p>
-            <a:fld id="{3F272D46-8064-4C3B-83F3-1612F9FBD53D}" type="slidenum">
+            <a:fld id="{79AED00C-D231-4997-89A3-A3BDFCCE86C0}" type="slidenum">
               <a:rPr lang="zh-CN" altLang="en-US" smtClean="0"/>
               <a:t>‹#›</a:t>
             </a:fld>
@@ -1873,7 +1873,7 @@
     </p:spTree>
     <p:extLst>
       <p:ext uri="{BB962C8B-B14F-4D97-AF65-F5344CB8AC3E}">
-        <p14:creationId xmlns:p14="http://schemas.microsoft.com/office/powerpoint/2010/main" val="4237319780"/>
+        <p14:creationId xmlns:p14="http://schemas.microsoft.com/office/powerpoint/2010/main" val="2523085496"/>
       </p:ext>
     </p:extLst>
   </p:cSld>
@@ -1905,7 +1905,7 @@
           <p:cNvPr id="2" name="标题 1">
             <a:extLst>
               <a:ext uri="{FF2B5EF4-FFF2-40B4-BE49-F238E27FC236}">
-                <a16:creationId xmlns:a16="http://schemas.microsoft.com/office/drawing/2014/main" id="{3A83FB63-A836-0C95-0F59-30AA57128845}"/>
+                <a16:creationId xmlns:a16="http://schemas.microsoft.com/office/drawing/2014/main" id="{179C52CC-113C-14F6-0C48-CB93D82DA1DA}"/>
               </a:ext>
             </a:extLst>
           </p:cNvPr>
@@ -1933,7 +1933,7 @@
           <p:cNvPr id="3" name="日期占位符 2">
             <a:extLst>
               <a:ext uri="{FF2B5EF4-FFF2-40B4-BE49-F238E27FC236}">
-                <a16:creationId xmlns:a16="http://schemas.microsoft.com/office/drawing/2014/main" id="{46B92384-7A9D-A2B1-D194-29D0FC3E7B81}"/>
+                <a16:creationId xmlns:a16="http://schemas.microsoft.com/office/drawing/2014/main" id="{DA60BA2F-B90E-A27A-D492-E70A94FD6D3B}"/>
               </a:ext>
             </a:extLst>
           </p:cNvPr>
@@ -1949,7 +1949,7 @@
           <a:bodyPr/>
           <a:lstStyle/>
           <a:p>
-            <a:fld id="{E5DB52A3-FC61-4907-A541-926B6FCB0EB7}" type="datetimeFigureOut">
+            <a:fld id="{D5CB6B0D-4ED3-4F16-B22A-2CD62B459D01}" type="datetimeFigureOut">
               <a:rPr lang="zh-CN" altLang="en-US" smtClean="0"/>
               <a:t>2024/3/10</a:t>
             </a:fld>
@@ -1962,7 +1962,7 @@
           <p:cNvPr id="4" name="页脚占位符 3">
             <a:extLst>
               <a:ext uri="{FF2B5EF4-FFF2-40B4-BE49-F238E27FC236}">
-                <a16:creationId xmlns:a16="http://schemas.microsoft.com/office/drawing/2014/main" id="{0A649837-AB62-F92B-6693-69A823A8F65D}"/>
+                <a16:creationId xmlns:a16="http://schemas.microsoft.com/office/drawing/2014/main" id="{FDD61A21-11D5-8727-CEEB-552C84B51826}"/>
               </a:ext>
             </a:extLst>
           </p:cNvPr>
@@ -1987,7 +1987,7 @@
           <p:cNvPr id="5" name="灯片编号占位符 4">
             <a:extLst>
               <a:ext uri="{FF2B5EF4-FFF2-40B4-BE49-F238E27FC236}">
-                <a16:creationId xmlns:a16="http://schemas.microsoft.com/office/drawing/2014/main" id="{75F48630-0D1D-379E-2940-0C1E138F51B1}"/>
+                <a16:creationId xmlns:a16="http://schemas.microsoft.com/office/drawing/2014/main" id="{7F63AF37-189D-4E94-3675-F6EDBAC5B7E8}"/>
               </a:ext>
             </a:extLst>
           </p:cNvPr>
@@ -2003,7 +2003,7 @@
           <a:bodyPr/>
           <a:lstStyle/>
           <a:p>
-            <a:fld id="{3F272D46-8064-4C3B-83F3-1612F9FBD53D}" type="slidenum">
+            <a:fld id="{79AED00C-D231-4997-89A3-A3BDFCCE86C0}" type="slidenum">
               <a:rPr lang="zh-CN" altLang="en-US" smtClean="0"/>
               <a:t>‹#›</a:t>
             </a:fld>
@@ -2014,7 +2014,7 @@
     </p:spTree>
     <p:extLst>
       <p:ext uri="{BB962C8B-B14F-4D97-AF65-F5344CB8AC3E}">
-        <p14:creationId xmlns:p14="http://schemas.microsoft.com/office/powerpoint/2010/main" val="3053942845"/>
+        <p14:creationId xmlns:p14="http://schemas.microsoft.com/office/powerpoint/2010/main" val="2763996641"/>
       </p:ext>
     </p:extLst>
   </p:cSld>
@@ -2046,7 +2046,7 @@
           <p:cNvPr id="2" name="日期占位符 1">
             <a:extLst>
               <a:ext uri="{FF2B5EF4-FFF2-40B4-BE49-F238E27FC236}">
-                <a16:creationId xmlns:a16="http://schemas.microsoft.com/office/drawing/2014/main" id="{AF13B714-4061-1E13-70B4-D01DA9547919}"/>
+                <a16:creationId xmlns:a16="http://schemas.microsoft.com/office/drawing/2014/main" id="{FDBEE7DA-B757-17A8-929D-B79CA0665050}"/>
               </a:ext>
             </a:extLst>
           </p:cNvPr>
@@ -2062,7 +2062,7 @@
           <a:bodyPr/>
           <a:lstStyle/>
           <a:p>
-            <a:fld id="{E5DB52A3-FC61-4907-A541-926B6FCB0EB7}" type="datetimeFigureOut">
+            <a:fld id="{D5CB6B0D-4ED3-4F16-B22A-2CD62B459D01}" type="datetimeFigureOut">
               <a:rPr lang="zh-CN" altLang="en-US" smtClean="0"/>
               <a:t>2024/3/10</a:t>
             </a:fld>
@@ -2075,7 +2075,7 @@
           <p:cNvPr id="3" name="页脚占位符 2">
             <a:extLst>
               <a:ext uri="{FF2B5EF4-FFF2-40B4-BE49-F238E27FC236}">
-                <a16:creationId xmlns:a16="http://schemas.microsoft.com/office/drawing/2014/main" id="{A91D8894-8DB1-2A0A-82ED-0F716DE6E888}"/>
+                <a16:creationId xmlns:a16="http://schemas.microsoft.com/office/drawing/2014/main" id="{3A8B82D2-C996-76D9-E8EB-CA69E90810B3}"/>
               </a:ext>
             </a:extLst>
           </p:cNvPr>
@@ -2100,7 +2100,7 @@
           <p:cNvPr id="4" name="灯片编号占位符 3">
             <a:extLst>
               <a:ext uri="{FF2B5EF4-FFF2-40B4-BE49-F238E27FC236}">
-                <a16:creationId xmlns:a16="http://schemas.microsoft.com/office/drawing/2014/main" id="{89496A04-D040-166A-2A7E-8E9C559C1985}"/>
+                <a16:creationId xmlns:a16="http://schemas.microsoft.com/office/drawing/2014/main" id="{B4AE0DD5-59F2-BD0C-23B2-280A7E55B2C8}"/>
               </a:ext>
             </a:extLst>
           </p:cNvPr>
@@ -2116,7 +2116,7 @@
           <a:bodyPr/>
           <a:lstStyle/>
           <a:p>
-            <a:fld id="{3F272D46-8064-4C3B-83F3-1612F9FBD53D}" type="slidenum">
+            <a:fld id="{79AED00C-D231-4997-89A3-A3BDFCCE86C0}" type="slidenum">
               <a:rPr lang="zh-CN" altLang="en-US" smtClean="0"/>
               <a:t>‹#›</a:t>
             </a:fld>
@@ -2127,7 +2127,7 @@
     </p:spTree>
     <p:extLst>
       <p:ext uri="{BB962C8B-B14F-4D97-AF65-F5344CB8AC3E}">
-        <p14:creationId xmlns:p14="http://schemas.microsoft.com/office/powerpoint/2010/main" val="1987827938"/>
+        <p14:creationId xmlns:p14="http://schemas.microsoft.com/office/powerpoint/2010/main" val="3633616898"/>
       </p:ext>
     </p:extLst>
   </p:cSld>
@@ -2159,7 +2159,7 @@
           <p:cNvPr id="2" name="标题 1">
             <a:extLst>
               <a:ext uri="{FF2B5EF4-FFF2-40B4-BE49-F238E27FC236}">
-                <a16:creationId xmlns:a16="http://schemas.microsoft.com/office/drawing/2014/main" id="{06DB0C78-18FD-D278-5C51-A1BB59BD8A64}"/>
+                <a16:creationId xmlns:a16="http://schemas.microsoft.com/office/drawing/2014/main" id="{3A61EE35-5789-93BF-3D34-C18EEB364104}"/>
               </a:ext>
             </a:extLst>
           </p:cNvPr>
@@ -2196,7 +2196,7 @@
           <p:cNvPr id="3" name="内容占位符 2">
             <a:extLst>
               <a:ext uri="{FF2B5EF4-FFF2-40B4-BE49-F238E27FC236}">
-                <a16:creationId xmlns:a16="http://schemas.microsoft.com/office/drawing/2014/main" id="{655E2172-A77B-5BAE-41DC-1DB492591B0E}"/>
+                <a16:creationId xmlns:a16="http://schemas.microsoft.com/office/drawing/2014/main" id="{B834C95A-1023-AA55-AEE4-EE846E1CF642}"/>
               </a:ext>
             </a:extLst>
           </p:cNvPr>
@@ -2286,7 +2286,7 @@
           <p:cNvPr id="4" name="文本占位符 3">
             <a:extLst>
               <a:ext uri="{FF2B5EF4-FFF2-40B4-BE49-F238E27FC236}">
-                <a16:creationId xmlns:a16="http://schemas.microsoft.com/office/drawing/2014/main" id="{CA21D908-8F20-00A8-53EE-3C955376EE22}"/>
+                <a16:creationId xmlns:a16="http://schemas.microsoft.com/office/drawing/2014/main" id="{F0166352-0047-D6F5-14E3-E7A6B09EF041}"/>
               </a:ext>
             </a:extLst>
           </p:cNvPr>
@@ -2357,7 +2357,7 @@
           <p:cNvPr id="5" name="日期占位符 4">
             <a:extLst>
               <a:ext uri="{FF2B5EF4-FFF2-40B4-BE49-F238E27FC236}">
-                <a16:creationId xmlns:a16="http://schemas.microsoft.com/office/drawing/2014/main" id="{7DCBDBC4-B8A4-240A-F539-997C9E1B242A}"/>
+                <a16:creationId xmlns:a16="http://schemas.microsoft.com/office/drawing/2014/main" id="{306023D8-D11D-1EEB-E3BC-DAC3301153BA}"/>
               </a:ext>
             </a:extLst>
           </p:cNvPr>
@@ -2373,7 +2373,7 @@
           <a:bodyPr/>
           <a:lstStyle/>
           <a:p>
-            <a:fld id="{E5DB52A3-FC61-4907-A541-926B6FCB0EB7}" type="datetimeFigureOut">
+            <a:fld id="{D5CB6B0D-4ED3-4F16-B22A-2CD62B459D01}" type="datetimeFigureOut">
               <a:rPr lang="zh-CN" altLang="en-US" smtClean="0"/>
               <a:t>2024/3/10</a:t>
             </a:fld>
@@ -2386,7 +2386,7 @@
           <p:cNvPr id="6" name="页脚占位符 5">
             <a:extLst>
               <a:ext uri="{FF2B5EF4-FFF2-40B4-BE49-F238E27FC236}">
-                <a16:creationId xmlns:a16="http://schemas.microsoft.com/office/drawing/2014/main" id="{0D8C09BA-06F8-9351-D7C4-E4756EA97DA0}"/>
+                <a16:creationId xmlns:a16="http://schemas.microsoft.com/office/drawing/2014/main" id="{DE21C4AA-17F6-127F-5073-628A35D70C0F}"/>
               </a:ext>
             </a:extLst>
           </p:cNvPr>
@@ -2411,7 +2411,7 @@
           <p:cNvPr id="7" name="灯片编号占位符 6">
             <a:extLst>
               <a:ext uri="{FF2B5EF4-FFF2-40B4-BE49-F238E27FC236}">
-                <a16:creationId xmlns:a16="http://schemas.microsoft.com/office/drawing/2014/main" id="{ED4D04A7-950E-C524-CEEC-17EC64070C78}"/>
+                <a16:creationId xmlns:a16="http://schemas.microsoft.com/office/drawing/2014/main" id="{03A7FBA0-4869-96D0-E131-8DC9061DB54B}"/>
               </a:ext>
             </a:extLst>
           </p:cNvPr>
@@ -2427,7 +2427,7 @@
           <a:bodyPr/>
           <a:lstStyle/>
           <a:p>
-            <a:fld id="{3F272D46-8064-4C3B-83F3-1612F9FBD53D}" type="slidenum">
+            <a:fld id="{79AED00C-D231-4997-89A3-A3BDFCCE86C0}" type="slidenum">
               <a:rPr lang="zh-CN" altLang="en-US" smtClean="0"/>
               <a:t>‹#›</a:t>
             </a:fld>
@@ -2438,7 +2438,7 @@
     </p:spTree>
     <p:extLst>
       <p:ext uri="{BB962C8B-B14F-4D97-AF65-F5344CB8AC3E}">
-        <p14:creationId xmlns:p14="http://schemas.microsoft.com/office/powerpoint/2010/main" val="3838350942"/>
+        <p14:creationId xmlns:p14="http://schemas.microsoft.com/office/powerpoint/2010/main" val="2579775180"/>
       </p:ext>
     </p:extLst>
   </p:cSld>
@@ -2470,7 +2470,7 @@
           <p:cNvPr id="2" name="标题 1">
             <a:extLst>
               <a:ext uri="{FF2B5EF4-FFF2-40B4-BE49-F238E27FC236}">
-                <a16:creationId xmlns:a16="http://schemas.microsoft.com/office/drawing/2014/main" id="{430F3F67-2C05-0BC7-FEF2-29F0656B5130}"/>
+                <a16:creationId xmlns:a16="http://schemas.microsoft.com/office/drawing/2014/main" id="{06488B11-2A46-0DA0-90F3-4BF592F78DAB}"/>
               </a:ext>
             </a:extLst>
           </p:cNvPr>
@@ -2507,7 +2507,7 @@
           <p:cNvPr id="3" name="图片占位符 2">
             <a:extLst>
               <a:ext uri="{FF2B5EF4-FFF2-40B4-BE49-F238E27FC236}">
-                <a16:creationId xmlns:a16="http://schemas.microsoft.com/office/drawing/2014/main" id="{91010B70-104F-C274-C5DC-B7D444DFC67C}"/>
+                <a16:creationId xmlns:a16="http://schemas.microsoft.com/office/drawing/2014/main" id="{5326E92B-4EA9-22B5-6000-D51B76DF55F6}"/>
               </a:ext>
             </a:extLst>
           </p:cNvPr>
@@ -2574,7 +2574,7 @@
           <p:cNvPr id="4" name="文本占位符 3">
             <a:extLst>
               <a:ext uri="{FF2B5EF4-FFF2-40B4-BE49-F238E27FC236}">
-                <a16:creationId xmlns:a16="http://schemas.microsoft.com/office/drawing/2014/main" id="{1D6EE2B6-4908-31EB-E732-85EC46AFF9FF}"/>
+                <a16:creationId xmlns:a16="http://schemas.microsoft.com/office/drawing/2014/main" id="{3B198D66-AE29-7418-57A2-D88CF39DB438}"/>
               </a:ext>
             </a:extLst>
           </p:cNvPr>
@@ -2645,7 +2645,7 @@
           <p:cNvPr id="5" name="日期占位符 4">
             <a:extLst>
               <a:ext uri="{FF2B5EF4-FFF2-40B4-BE49-F238E27FC236}">
-                <a16:creationId xmlns:a16="http://schemas.microsoft.com/office/drawing/2014/main" id="{C409EA2E-5274-A629-96E1-B6BBF9D33390}"/>
+                <a16:creationId xmlns:a16="http://schemas.microsoft.com/office/drawing/2014/main" id="{98C34FA3-F126-5EF0-1A50-DD3022C1AEA0}"/>
               </a:ext>
             </a:extLst>
           </p:cNvPr>
@@ -2661,7 +2661,7 @@
           <a:bodyPr/>
           <a:lstStyle/>
           <a:p>
-            <a:fld id="{E5DB52A3-FC61-4907-A541-926B6FCB0EB7}" type="datetimeFigureOut">
+            <a:fld id="{D5CB6B0D-4ED3-4F16-B22A-2CD62B459D01}" type="datetimeFigureOut">
               <a:rPr lang="zh-CN" altLang="en-US" smtClean="0"/>
               <a:t>2024/3/10</a:t>
             </a:fld>
@@ -2674,7 +2674,7 @@
           <p:cNvPr id="6" name="页脚占位符 5">
             <a:extLst>
               <a:ext uri="{FF2B5EF4-FFF2-40B4-BE49-F238E27FC236}">
-                <a16:creationId xmlns:a16="http://schemas.microsoft.com/office/drawing/2014/main" id="{F49C2EA1-BBD5-C0DE-34A5-1A78DCF7DBAB}"/>
+                <a16:creationId xmlns:a16="http://schemas.microsoft.com/office/drawing/2014/main" id="{60D888E9-2D65-8869-E669-2A27E10D2DCC}"/>
               </a:ext>
             </a:extLst>
           </p:cNvPr>
@@ -2699,7 +2699,7 @@
           <p:cNvPr id="7" name="灯片编号占位符 6">
             <a:extLst>
               <a:ext uri="{FF2B5EF4-FFF2-40B4-BE49-F238E27FC236}">
-                <a16:creationId xmlns:a16="http://schemas.microsoft.com/office/drawing/2014/main" id="{840BD7D9-79EC-5238-FBA4-C686B9C6FCA8}"/>
+                <a16:creationId xmlns:a16="http://schemas.microsoft.com/office/drawing/2014/main" id="{0B56F1D4-5EE1-0490-1F54-F10682019370}"/>
               </a:ext>
             </a:extLst>
           </p:cNvPr>
@@ -2715,7 +2715,7 @@
           <a:bodyPr/>
           <a:lstStyle/>
           <a:p>
-            <a:fld id="{3F272D46-8064-4C3B-83F3-1612F9FBD53D}" type="slidenum">
+            <a:fld id="{79AED00C-D231-4997-89A3-A3BDFCCE86C0}" type="slidenum">
               <a:rPr lang="zh-CN" altLang="en-US" smtClean="0"/>
               <a:t>‹#›</a:t>
             </a:fld>
@@ -2726,7 +2726,7 @@
     </p:spTree>
     <p:extLst>
       <p:ext uri="{BB962C8B-B14F-4D97-AF65-F5344CB8AC3E}">
-        <p14:creationId xmlns:p14="http://schemas.microsoft.com/office/powerpoint/2010/main" val="3327560449"/>
+        <p14:creationId xmlns:p14="http://schemas.microsoft.com/office/powerpoint/2010/main" val="3416100031"/>
       </p:ext>
     </p:extLst>
   </p:cSld>
@@ -2763,7 +2763,7 @@
           <p:cNvPr id="2" name="标题占位符 1">
             <a:extLst>
               <a:ext uri="{FF2B5EF4-FFF2-40B4-BE49-F238E27FC236}">
-                <a16:creationId xmlns:a16="http://schemas.microsoft.com/office/drawing/2014/main" id="{940A084A-E47E-7BA5-0A6C-F0841DF30299}"/>
+                <a16:creationId xmlns:a16="http://schemas.microsoft.com/office/drawing/2014/main" id="{27EE89D2-C213-1EAD-8033-DC24BB6068C0}"/>
               </a:ext>
             </a:extLst>
           </p:cNvPr>
@@ -2801,7 +2801,7 @@
           <p:cNvPr id="3" name="文本占位符 2">
             <a:extLst>
               <a:ext uri="{FF2B5EF4-FFF2-40B4-BE49-F238E27FC236}">
-                <a16:creationId xmlns:a16="http://schemas.microsoft.com/office/drawing/2014/main" id="{0FE5FAB2-A339-2DEA-C9EC-FEFC05AD143F}"/>
+                <a16:creationId xmlns:a16="http://schemas.microsoft.com/office/drawing/2014/main" id="{43EEF7A1-FAAF-B195-202C-D1E90EAEF984}"/>
               </a:ext>
             </a:extLst>
           </p:cNvPr>
@@ -2868,7 +2868,7 @@
           <p:cNvPr id="4" name="日期占位符 3">
             <a:extLst>
               <a:ext uri="{FF2B5EF4-FFF2-40B4-BE49-F238E27FC236}">
-                <a16:creationId xmlns:a16="http://schemas.microsoft.com/office/drawing/2014/main" id="{A9266A4D-9DB8-3F73-B477-AC3DA8A6DFC4}"/>
+                <a16:creationId xmlns:a16="http://schemas.microsoft.com/office/drawing/2014/main" id="{86D9C41F-6845-DC17-223F-5F362FF26FE7}"/>
               </a:ext>
             </a:extLst>
           </p:cNvPr>
@@ -2902,7 +2902,7 @@
             </a:lvl1pPr>
           </a:lstStyle>
           <a:p>
-            <a:fld id="{E5DB52A3-FC61-4907-A541-926B6FCB0EB7}" type="datetimeFigureOut">
+            <a:fld id="{D5CB6B0D-4ED3-4F16-B22A-2CD62B459D01}" type="datetimeFigureOut">
               <a:rPr lang="zh-CN" altLang="en-US" smtClean="0"/>
               <a:t>2024/3/10</a:t>
             </a:fld>
@@ -2915,7 +2915,7 @@
           <p:cNvPr id="5" name="页脚占位符 4">
             <a:extLst>
               <a:ext uri="{FF2B5EF4-FFF2-40B4-BE49-F238E27FC236}">
-                <a16:creationId xmlns:a16="http://schemas.microsoft.com/office/drawing/2014/main" id="{2FF358B8-6CD3-DA4C-0DFC-6B9294F335C0}"/>
+                <a16:creationId xmlns:a16="http://schemas.microsoft.com/office/drawing/2014/main" id="{87F49CC6-0BC9-854E-34FF-FA3D1506C541}"/>
               </a:ext>
             </a:extLst>
           </p:cNvPr>
@@ -2958,7 +2958,7 @@
           <p:cNvPr id="6" name="灯片编号占位符 5">
             <a:extLst>
               <a:ext uri="{FF2B5EF4-FFF2-40B4-BE49-F238E27FC236}">
-                <a16:creationId xmlns:a16="http://schemas.microsoft.com/office/drawing/2014/main" id="{870EDF9E-0A83-A7F9-A6F5-C6CA68A3F606}"/>
+                <a16:creationId xmlns:a16="http://schemas.microsoft.com/office/drawing/2014/main" id="{D925E20D-7300-41D2-049C-0A0872314C77}"/>
               </a:ext>
             </a:extLst>
           </p:cNvPr>
@@ -2992,7 +2992,7 @@
             </a:lvl1pPr>
           </a:lstStyle>
           <a:p>
-            <a:fld id="{3F272D46-8064-4C3B-83F3-1612F9FBD53D}" type="slidenum">
+            <a:fld id="{79AED00C-D231-4997-89A3-A3BDFCCE86C0}" type="slidenum">
               <a:rPr lang="zh-CN" altLang="en-US" smtClean="0"/>
               <a:t>‹#›</a:t>
             </a:fld>
@@ -3003,7 +3003,7 @@
     </p:spTree>
     <p:extLst>
       <p:ext uri="{BB962C8B-B14F-4D97-AF65-F5344CB8AC3E}">
-        <p14:creationId xmlns:p14="http://schemas.microsoft.com/office/powerpoint/2010/main" val="3173756979"/>
+        <p14:creationId xmlns:p14="http://schemas.microsoft.com/office/powerpoint/2010/main" val="1920887434"/>
       </p:ext>
     </p:extLst>
   </p:cSld>
